--- a/doc/project_presentation.pptx
+++ b/doc/project_presentation.pptx
@@ -16,7 +16,8 @@
     <p:sldId id="264" r:id="rId10"/>
     <p:sldId id="265" r:id="rId11"/>
     <p:sldId id="271" r:id="rId12"/>
-    <p:sldId id="266" r:id="rId13"/>
+    <p:sldId id="272" r:id="rId13"/>
+    <p:sldId id="266" r:id="rId14"/>
   </p:sldIdLst>
   <p:sldSz cx="9144000" cy="6858000" type="screen4x3"/>
   <p:notesSz cx="6858000" cy="9144000"/>
@@ -3045,11 +3046,11 @@
     <dgm:cxn modelId="{19E77B31-58A4-444E-8D39-420836BFEF67}" type="presOf" srcId="{8F02BABF-6819-4C9F-8217-D4053EB57065}" destId="{8CED8900-7C9C-400F-B415-D4667E49149B}" srcOrd="0" destOrd="0" presId="urn:microsoft.com/office/officeart/2005/8/layout/vList5"/>
     <dgm:cxn modelId="{DCAB0C32-3C04-4832-97D0-A333FBF86F04}" srcId="{96B09672-DFF6-48A4-8D74-795DB340E395}" destId="{0D89DF20-3501-4CD8-A16F-E46FD98223CE}" srcOrd="0" destOrd="0" parTransId="{A6DF58DD-BD40-4ED2-ACFC-B204EDE22F07}" sibTransId="{97ABB72A-D9E2-425A-ADD8-7D3E4666AF84}"/>
     <dgm:cxn modelId="{1766103C-8A68-46AD-95DD-B576D7AC7D29}" type="presOf" srcId="{FDE1079D-752E-48DB-B698-6AE49C2D44F8}" destId="{C6368E6A-21A8-49C1-AD9B-D9B9DA951798}" srcOrd="0" destOrd="1" presId="urn:microsoft.com/office/officeart/2005/8/layout/vList5"/>
-    <dgm:cxn modelId="{18D9C34A-8BED-49FB-A8B0-0CBEA0C1C1BC}" type="presOf" srcId="{E3600EF8-3027-46A9-A864-63134F7E7581}" destId="{11795746-119F-42A6-8E28-DC27B615E774}" srcOrd="0" destOrd="0" presId="urn:microsoft.com/office/officeart/2005/8/layout/vList5"/>
-    <dgm:cxn modelId="{C306F34A-9495-4791-8A85-B8E1121D5088}" srcId="{8F02BABF-6819-4C9F-8217-D4053EB57065}" destId="{A7F15524-0807-4E1F-8338-956962B20248}" srcOrd="3" destOrd="0" parTransId="{3A977E19-4186-4159-ABF1-6B7BF6227198}" sibTransId="{E920F155-B8FF-4EF2-AB7F-0E064E6E0F8B}"/>
     <dgm:cxn modelId="{584FC75B-AF52-45E5-AF98-AEF4E9F36AF5}" type="presOf" srcId="{7038E078-E88D-44E5-8D76-B361FC644AD3}" destId="{9E592C8C-775C-4356-8EDE-BF6375A3D36B}" srcOrd="0" destOrd="0" presId="urn:microsoft.com/office/officeart/2005/8/layout/vList5"/>
     <dgm:cxn modelId="{5316B962-EF47-4107-8B30-6814CE12FBA3}" type="presOf" srcId="{96B09672-DFF6-48A4-8D74-795DB340E395}" destId="{3EBBD6CC-3BC9-411D-9CB9-797D2FF6E2E9}" srcOrd="0" destOrd="0" presId="urn:microsoft.com/office/officeart/2005/8/layout/vList5"/>
     <dgm:cxn modelId="{D3209167-41A2-4596-AE71-F57662F942C9}" type="presOf" srcId="{DE1B9BA3-BBA7-46B1-8936-A16EED367E36}" destId="{081B2AD8-F435-41E4-A6A7-05DAC0C87D95}" srcOrd="0" destOrd="0" presId="urn:microsoft.com/office/officeart/2005/8/layout/vList5"/>
+    <dgm:cxn modelId="{18D9C34A-8BED-49FB-A8B0-0CBEA0C1C1BC}" type="presOf" srcId="{E3600EF8-3027-46A9-A864-63134F7E7581}" destId="{11795746-119F-42A6-8E28-DC27B615E774}" srcOrd="0" destOrd="0" presId="urn:microsoft.com/office/officeart/2005/8/layout/vList5"/>
+    <dgm:cxn modelId="{C306F34A-9495-4791-8A85-B8E1121D5088}" srcId="{8F02BABF-6819-4C9F-8217-D4053EB57065}" destId="{A7F15524-0807-4E1F-8338-956962B20248}" srcOrd="3" destOrd="0" parTransId="{3A977E19-4186-4159-ABF1-6B7BF6227198}" sibTransId="{E920F155-B8FF-4EF2-AB7F-0E064E6E0F8B}"/>
     <dgm:cxn modelId="{DCA81782-17C8-4CFC-894D-1B0131375EBA}" srcId="{DE1B9BA3-BBA7-46B1-8936-A16EED367E36}" destId="{A6A409AE-07E1-44AB-A4DD-B15210FAA47B}" srcOrd="1" destOrd="0" parTransId="{4D201A85-E3D9-4999-A685-06FDF5F83F70}" sibTransId="{94D1F58C-F5C8-4542-B93F-D1ABE9673316}"/>
     <dgm:cxn modelId="{E8947F83-3169-475A-A552-7E413192CF50}" type="presOf" srcId="{537A357E-B2CF-46DD-9A69-A39B4CC12B5C}" destId="{C6368E6A-21A8-49C1-AD9B-D9B9DA951798}" srcOrd="0" destOrd="2" presId="urn:microsoft.com/office/officeart/2005/8/layout/vList5"/>
     <dgm:cxn modelId="{D4A6F58D-3796-403D-93FF-04AE250755CE}" srcId="{DE1B9BA3-BBA7-46B1-8936-A16EED367E36}" destId="{7038E078-E88D-44E5-8D76-B361FC644AD3}" srcOrd="0" destOrd="0" parTransId="{4876EACD-D8AB-4694-9EE8-DA1D22DEA30F}" sibTransId="{AD2EAEA0-EC1F-4561-8E0C-ADA865B4F580}"/>
@@ -3313,8 +3314,8 @@
     </dgm:pt>
   </dgm:ptLst>
   <dgm:cxnLst>
+    <dgm:cxn modelId="{2B40B15F-C8BA-4CAA-9729-D1A097106529}" srcId="{9E7BDA63-0DD8-4685-BC19-3E7C6A4A1889}" destId="{ECEE5F96-D1C2-4C6E-9D02-8A0DBDC67A8B}" srcOrd="1" destOrd="0" parTransId="{4E118D87-C1FA-49CB-98D9-431A650BC0A3}" sibTransId="{212EF9A8-8FC0-4530-A160-7BA9E4DBE286}"/>
     <dgm:cxn modelId="{2D47D856-BF7D-4972-AB87-4E77A7DB728A}" type="presOf" srcId="{6D44A825-7617-4331-BF49-5B8C24D9BCDA}" destId="{741B4C17-0CDB-41F1-98AE-4F319C12C566}" srcOrd="0" destOrd="0" presId="urn:microsoft.com/office/officeart/2005/8/layout/target3"/>
-    <dgm:cxn modelId="{2B40B15F-C8BA-4CAA-9729-D1A097106529}" srcId="{9E7BDA63-0DD8-4685-BC19-3E7C6A4A1889}" destId="{ECEE5F96-D1C2-4C6E-9D02-8A0DBDC67A8B}" srcOrd="1" destOrd="0" parTransId="{4E118D87-C1FA-49CB-98D9-431A650BC0A3}" sibTransId="{212EF9A8-8FC0-4530-A160-7BA9E4DBE286}"/>
     <dgm:cxn modelId="{419E14A9-3F3A-4DC9-B892-2342E3EF0B0C}" type="presOf" srcId="{ECEE5F96-D1C2-4C6E-9D02-8A0DBDC67A8B}" destId="{6BB5E24A-B422-4CFC-B739-827FC8AC6A90}" srcOrd="0" destOrd="0" presId="urn:microsoft.com/office/officeart/2005/8/layout/target3"/>
     <dgm:cxn modelId="{E15C8EC6-191B-4E72-8577-DF54EC2D9F66}" type="presOf" srcId="{9E7BDA63-0DD8-4685-BC19-3E7C6A4A1889}" destId="{9C490AA3-8173-419B-8868-5E69AB424321}" srcOrd="0" destOrd="0" presId="urn:microsoft.com/office/officeart/2005/8/layout/target3"/>
     <dgm:cxn modelId="{E1BB42D7-FACC-4B24-96A0-590807B15D5E}" srcId="{9E7BDA63-0DD8-4685-BC19-3E7C6A4A1889}" destId="{6D44A825-7617-4331-BF49-5B8C24D9BCDA}" srcOrd="0" destOrd="0" parTransId="{F46671D1-7463-4559-8E00-8900A1B99C38}" sibTransId="{7D53D9FF-4BC0-43B2-BC16-5AA39BF382CB}"/>
@@ -19437,7 +19438,7 @@
           <a:p>
             <a:fld id="{5BCAD085-E8A6-8845-BD4E-CB4CCA059FC4}" type="datetimeFigureOut">
               <a:rPr lang="en-US" smtClean="0"/>
-              <a:t>12/20/24</a:t>
+              <a:t>12/20/2024</a:t>
             </a:fld>
             <a:endParaRPr lang="en-US"/>
           </a:p>
@@ -27088,6 +27089,442 @@
       </p:grpSpPr>
       <p:sp>
         <p:nvSpPr>
+          <p:cNvPr id="21" name="Прямоугольник 20">
+            <a:extLst>
+              <a:ext uri="{FF2B5EF4-FFF2-40B4-BE49-F238E27FC236}">
+                <a16:creationId xmlns:a16="http://schemas.microsoft.com/office/drawing/2014/main" id="{236D888C-53A4-4B70-BFE8-8245663A9213}"/>
+              </a:ext>
+            </a:extLst>
+          </p:cNvPr>
+          <p:cNvSpPr/>
+          <p:nvPr/>
+        </p:nvSpPr>
+        <p:spPr>
+          <a:xfrm>
+            <a:off x="186267" y="694569"/>
+            <a:ext cx="8822266" cy="1786164"/>
+          </a:xfrm>
+          <a:prstGeom prst="rect">
+            <a:avLst/>
+          </a:prstGeom>
+          <a:solidFill>
+            <a:srgbClr val="D2D592"/>
+          </a:solidFill>
+          <a:ln>
+            <a:noFill/>
+          </a:ln>
+        </p:spPr>
+        <p:style>
+          <a:lnRef idx="2">
+            <a:schemeClr val="accent1">
+              <a:shade val="15000"/>
+            </a:schemeClr>
+          </a:lnRef>
+          <a:fillRef idx="1">
+            <a:schemeClr val="accent1"/>
+          </a:fillRef>
+          <a:effectRef idx="0">
+            <a:schemeClr val="accent1"/>
+          </a:effectRef>
+          <a:fontRef idx="minor">
+            <a:schemeClr val="lt1"/>
+          </a:fontRef>
+        </p:style>
+        <p:txBody>
+          <a:bodyPr rtlCol="0" anchor="ctr"/>
+          <a:lstStyle/>
+          <a:p>
+            <a:pPr algn="ctr"/>
+            <a:endParaRPr lang="ru-RU" dirty="0"/>
+          </a:p>
+        </p:txBody>
+      </p:sp>
+      <p:pic>
+        <p:nvPicPr>
+          <p:cNvPr id="23" name="Объект 12">
+            <a:extLst>
+              <a:ext uri="{FF2B5EF4-FFF2-40B4-BE49-F238E27FC236}">
+                <a16:creationId xmlns:a16="http://schemas.microsoft.com/office/drawing/2014/main" id="{1BDB1933-C2F2-C449-781D-1F40B0BC2935}"/>
+              </a:ext>
+            </a:extLst>
+          </p:cNvPr>
+          <p:cNvPicPr>
+            <a:picLocks noChangeAspect="1"/>
+          </p:cNvPicPr>
+          <p:nvPr/>
+        </p:nvPicPr>
+        <p:blipFill>
+          <a:blip r:embed="rId2"/>
+          <a:stretch>
+            <a:fillRect/>
+          </a:stretch>
+        </p:blipFill>
+        <p:spPr>
+          <a:xfrm>
+            <a:off x="3435945" y="1816048"/>
+            <a:ext cx="2437163" cy="4423583"/>
+          </a:xfrm>
+          <a:prstGeom prst="roundRect">
+            <a:avLst>
+              <a:gd name="adj" fmla="val 4167"/>
+            </a:avLst>
+          </a:prstGeom>
+          <a:solidFill>
+            <a:srgbClr val="FFFFFF"/>
+          </a:solidFill>
+          <a:ln w="76200" cap="sq">
+            <a:solidFill>
+              <a:srgbClr val="292929"/>
+            </a:solidFill>
+            <a:miter lim="800000"/>
+          </a:ln>
+          <a:effectLst>
+            <a:reflection blurRad="12700" stA="28000" endPos="28000" dist="5000" dir="5400000" sy="-100000" algn="bl" rotWithShape="0"/>
+          </a:effectLst>
+          <a:scene3d>
+            <a:camera prst="orthographicFront"/>
+            <a:lightRig rig="threePt" dir="t">
+              <a:rot lat="0" lon="0" rev="2700000"/>
+            </a:lightRig>
+          </a:scene3d>
+          <a:sp3d>
+            <a:bevelT h="38100"/>
+            <a:contourClr>
+              <a:srgbClr val="C0C0C0"/>
+            </a:contourClr>
+          </a:sp3d>
+        </p:spPr>
+      </p:pic>
+      <p:sp>
+        <p:nvSpPr>
+          <p:cNvPr id="28" name="Заголовок 1">
+            <a:extLst>
+              <a:ext uri="{FF2B5EF4-FFF2-40B4-BE49-F238E27FC236}">
+                <a16:creationId xmlns:a16="http://schemas.microsoft.com/office/drawing/2014/main" id="{26F3B971-F562-B696-9F01-E658533D8527}"/>
+              </a:ext>
+            </a:extLst>
+          </p:cNvPr>
+          <p:cNvSpPr>
+            <a:spLocks noGrp="1"/>
+          </p:cNvSpPr>
+          <p:nvPr>
+            <p:ph type="title"/>
+          </p:nvPr>
+        </p:nvSpPr>
+        <p:spPr>
+          <a:xfrm>
+            <a:off x="591926" y="694569"/>
+            <a:ext cx="8003286" cy="961812"/>
+          </a:xfrm>
+        </p:spPr>
+        <p:txBody>
+          <a:bodyPr/>
+          <a:lstStyle/>
+          <a:p>
+            <a:r>
+              <a:rPr lang="ru-RU" dirty="0"/>
+              <a:t>Чат бот</a:t>
+            </a:r>
+          </a:p>
+        </p:txBody>
+      </p:sp>
+      <p:sp>
+        <p:nvSpPr>
+          <p:cNvPr id="30" name="Овал 29">
+            <a:extLst>
+              <a:ext uri="{FF2B5EF4-FFF2-40B4-BE49-F238E27FC236}">
+                <a16:creationId xmlns:a16="http://schemas.microsoft.com/office/drawing/2014/main" id="{0102A9E8-6ADE-6414-83A0-F8DE4943F3A4}"/>
+              </a:ext>
+            </a:extLst>
+          </p:cNvPr>
+          <p:cNvSpPr/>
+          <p:nvPr/>
+        </p:nvSpPr>
+        <p:spPr>
+          <a:xfrm>
+            <a:off x="6891867" y="-465667"/>
+            <a:ext cx="2795045" cy="2667000"/>
+          </a:xfrm>
+          <a:prstGeom prst="ellipse">
+            <a:avLst/>
+          </a:prstGeom>
+          <a:ln>
+            <a:noFill/>
+          </a:ln>
+        </p:spPr>
+        <p:style>
+          <a:lnRef idx="2">
+            <a:schemeClr val="accent1">
+              <a:shade val="15000"/>
+            </a:schemeClr>
+          </a:lnRef>
+          <a:fillRef idx="1">
+            <a:schemeClr val="accent1"/>
+          </a:fillRef>
+          <a:effectRef idx="0">
+            <a:schemeClr val="accent1"/>
+          </a:effectRef>
+          <a:fontRef idx="minor">
+            <a:schemeClr val="lt1"/>
+          </a:fontRef>
+        </p:style>
+        <p:txBody>
+          <a:bodyPr rtlCol="0" anchor="ctr"/>
+          <a:lstStyle/>
+          <a:p>
+            <a:pPr algn="ctr"/>
+            <a:endParaRPr lang="ru-RU"/>
+          </a:p>
+        </p:txBody>
+      </p:sp>
+      <p:sp>
+        <p:nvSpPr>
+          <p:cNvPr id="34" name="Овал 33">
+            <a:extLst>
+              <a:ext uri="{FF2B5EF4-FFF2-40B4-BE49-F238E27FC236}">
+                <a16:creationId xmlns:a16="http://schemas.microsoft.com/office/drawing/2014/main" id="{CCCC1DB1-5F39-B305-6AA8-19F0146EEF36}"/>
+              </a:ext>
+            </a:extLst>
+          </p:cNvPr>
+          <p:cNvSpPr/>
+          <p:nvPr/>
+        </p:nvSpPr>
+        <p:spPr>
+          <a:xfrm>
+            <a:off x="-955023" y="4589381"/>
+            <a:ext cx="2413000" cy="3649133"/>
+          </a:xfrm>
+          <a:prstGeom prst="ellipse">
+            <a:avLst/>
+          </a:prstGeom>
+          <a:solidFill>
+            <a:srgbClr val="1F2C8F"/>
+          </a:solidFill>
+          <a:ln>
+            <a:noFill/>
+          </a:ln>
+        </p:spPr>
+        <p:style>
+          <a:lnRef idx="2">
+            <a:schemeClr val="accent1">
+              <a:shade val="15000"/>
+            </a:schemeClr>
+          </a:lnRef>
+          <a:fillRef idx="1">
+            <a:schemeClr val="accent1"/>
+          </a:fillRef>
+          <a:effectRef idx="0">
+            <a:schemeClr val="accent1"/>
+          </a:effectRef>
+          <a:fontRef idx="minor">
+            <a:schemeClr val="lt1"/>
+          </a:fontRef>
+        </p:style>
+        <p:txBody>
+          <a:bodyPr rtlCol="0" anchor="ctr"/>
+          <a:lstStyle/>
+          <a:p>
+            <a:pPr algn="ctr"/>
+            <a:endParaRPr lang="ru-RU"/>
+          </a:p>
+        </p:txBody>
+      </p:sp>
+      <p:pic>
+        <p:nvPicPr>
+          <p:cNvPr id="35" name="Рисунок 34">
+            <a:extLst>
+              <a:ext uri="{FF2B5EF4-FFF2-40B4-BE49-F238E27FC236}">
+                <a16:creationId xmlns:a16="http://schemas.microsoft.com/office/drawing/2014/main" id="{321A8117-5FCB-6D2F-40BE-7C49FDC0369A}"/>
+              </a:ext>
+            </a:extLst>
+          </p:cNvPr>
+          <p:cNvPicPr>
+            <a:picLocks noChangeAspect="1"/>
+          </p:cNvPicPr>
+          <p:nvPr/>
+        </p:nvPicPr>
+        <p:blipFill>
+          <a:blip r:embed="rId3"/>
+          <a:stretch>
+            <a:fillRect/>
+          </a:stretch>
+        </p:blipFill>
+        <p:spPr>
+          <a:xfrm>
+            <a:off x="558790" y="1346899"/>
+            <a:ext cx="2437163" cy="4423582"/>
+          </a:xfrm>
+          <a:prstGeom prst="roundRect">
+            <a:avLst>
+              <a:gd name="adj" fmla="val 4167"/>
+            </a:avLst>
+          </a:prstGeom>
+          <a:solidFill>
+            <a:srgbClr val="FFFFFF"/>
+          </a:solidFill>
+          <a:ln w="76200" cap="sq">
+            <a:solidFill>
+              <a:srgbClr val="292929"/>
+            </a:solidFill>
+            <a:miter lim="800000"/>
+          </a:ln>
+          <a:effectLst>
+            <a:reflection blurRad="12700" stA="28000" endPos="28000" dist="5000" dir="5400000" sy="-100000" algn="bl" rotWithShape="0"/>
+          </a:effectLst>
+          <a:scene3d>
+            <a:camera prst="orthographicFront"/>
+            <a:lightRig rig="threePt" dir="t">
+              <a:rot lat="0" lon="0" rev="2700000"/>
+            </a:lightRig>
+          </a:scene3d>
+          <a:sp3d>
+            <a:bevelT h="38100"/>
+            <a:contourClr>
+              <a:srgbClr val="C0C0C0"/>
+            </a:contourClr>
+          </a:sp3d>
+        </p:spPr>
+      </p:pic>
+      <p:sp>
+        <p:nvSpPr>
+          <p:cNvPr id="36" name="Овал 35">
+            <a:extLst>
+              <a:ext uri="{FF2B5EF4-FFF2-40B4-BE49-F238E27FC236}">
+                <a16:creationId xmlns:a16="http://schemas.microsoft.com/office/drawing/2014/main" id="{E36416EB-6857-ABA9-06E4-3C2FF9F9A042}"/>
+              </a:ext>
+            </a:extLst>
+          </p:cNvPr>
+          <p:cNvSpPr/>
+          <p:nvPr/>
+        </p:nvSpPr>
+        <p:spPr>
+          <a:xfrm>
+            <a:off x="6891866" y="4436981"/>
+            <a:ext cx="2795045" cy="2667000"/>
+          </a:xfrm>
+          <a:prstGeom prst="ellipse">
+            <a:avLst/>
+          </a:prstGeom>
+          <a:solidFill>
+            <a:srgbClr val="D5DF95"/>
+          </a:solidFill>
+          <a:ln>
+            <a:noFill/>
+          </a:ln>
+        </p:spPr>
+        <p:style>
+          <a:lnRef idx="2">
+            <a:schemeClr val="accent1">
+              <a:shade val="15000"/>
+            </a:schemeClr>
+          </a:lnRef>
+          <a:fillRef idx="1">
+            <a:schemeClr val="accent1"/>
+          </a:fillRef>
+          <a:effectRef idx="0">
+            <a:schemeClr val="accent1"/>
+          </a:effectRef>
+          <a:fontRef idx="minor">
+            <a:schemeClr val="lt1"/>
+          </a:fontRef>
+        </p:style>
+        <p:txBody>
+          <a:bodyPr rtlCol="0" anchor="ctr"/>
+          <a:lstStyle/>
+          <a:p>
+            <a:pPr algn="ctr"/>
+            <a:endParaRPr lang="ru-RU"/>
+          </a:p>
+        </p:txBody>
+      </p:sp>
+      <p:pic>
+        <p:nvPicPr>
+          <p:cNvPr id="37" name="Рисунок 36">
+            <a:extLst>
+              <a:ext uri="{FF2B5EF4-FFF2-40B4-BE49-F238E27FC236}">
+                <a16:creationId xmlns:a16="http://schemas.microsoft.com/office/drawing/2014/main" id="{DB6AE2DF-ACC6-2D64-1EDF-AED0887DB44D}"/>
+              </a:ext>
+            </a:extLst>
+          </p:cNvPr>
+          <p:cNvPicPr>
+            <a:picLocks noChangeAspect="1"/>
+          </p:cNvPicPr>
+          <p:nvPr/>
+        </p:nvPicPr>
+        <p:blipFill>
+          <a:blip r:embed="rId4"/>
+          <a:stretch>
+            <a:fillRect/>
+          </a:stretch>
+        </p:blipFill>
+        <p:spPr>
+          <a:xfrm>
+            <a:off x="6313101" y="1382533"/>
+            <a:ext cx="2437163" cy="4423582"/>
+          </a:xfrm>
+          <a:prstGeom prst="roundRect">
+            <a:avLst>
+              <a:gd name="adj" fmla="val 4167"/>
+            </a:avLst>
+          </a:prstGeom>
+          <a:solidFill>
+            <a:srgbClr val="FFFFFF"/>
+          </a:solidFill>
+          <a:ln w="76200" cap="sq">
+            <a:solidFill>
+              <a:srgbClr val="292929"/>
+            </a:solidFill>
+            <a:miter lim="800000"/>
+          </a:ln>
+          <a:effectLst>
+            <a:reflection blurRad="12700" stA="28000" endPos="28000" dist="5000" dir="5400000" sy="-100000" algn="bl" rotWithShape="0"/>
+          </a:effectLst>
+          <a:scene3d>
+            <a:camera prst="orthographicFront"/>
+            <a:lightRig rig="threePt" dir="t">
+              <a:rot lat="0" lon="0" rev="2700000"/>
+            </a:lightRig>
+          </a:scene3d>
+          <a:sp3d>
+            <a:bevelT h="38100"/>
+            <a:contourClr>
+              <a:srgbClr val="C0C0C0"/>
+            </a:contourClr>
+          </a:sp3d>
+        </p:spPr>
+      </p:pic>
+    </p:spTree>
+    <p:extLst>
+      <p:ext uri="{BB962C8B-B14F-4D97-AF65-F5344CB8AC3E}">
+        <p14:creationId xmlns:p14="http://schemas.microsoft.com/office/powerpoint/2010/main" val="2467344580"/>
+      </p:ext>
+    </p:extLst>
+  </p:cSld>
+  <p:clrMapOvr>
+    <a:masterClrMapping/>
+  </p:clrMapOvr>
+</p:sld>
+</file>
+
+<file path=ppt/slides/slide13.xml><?xml version="1.0" encoding="utf-8"?>
+<p:sld xmlns:a="http://schemas.openxmlformats.org/drawingml/2006/main" xmlns:r="http://schemas.openxmlformats.org/officeDocument/2006/relationships" xmlns:p="http://schemas.openxmlformats.org/presentationml/2006/main">
+  <p:cSld>
+    <p:spTree>
+      <p:nvGrpSpPr>
+        <p:cNvPr id="1" name=""/>
+        <p:cNvGrpSpPr/>
+        <p:nvPr/>
+      </p:nvGrpSpPr>
+      <p:grpSpPr>
+        <a:xfrm>
+          <a:off x="0" y="0"/>
+          <a:ext cx="0" cy="0"/>
+          <a:chOff x="0" y="0"/>
+          <a:chExt cx="0" cy="0"/>
+        </a:xfrm>
+      </p:grpSpPr>
+      <p:sp>
+        <p:nvSpPr>
           <p:cNvPr id="2" name="Title 1"/>
           <p:cNvSpPr>
             <a:spLocks noGrp="1"/>
@@ -28894,6 +29331,21 @@
               <a:rPr dirty="0"/>
               <a:t>.</a:t>
             </a:r>
+            <a:endParaRPr lang="en-US" dirty="0"/>
+          </a:p>
+          <a:p>
+            <a:pPr marL="0" indent="0">
+              <a:buNone/>
+            </a:pPr>
+            <a:r>
+              <a:rPr lang="en-US" dirty="0"/>
+              <a:t>5.</a:t>
+            </a:r>
+            <a:r>
+              <a:rPr lang="ru-RU" dirty="0"/>
+              <a:t>Разработать телеграмм бота для удобства чтения классифицированных отзывов.</a:t>
+            </a:r>
+            <a:endParaRPr dirty="0"/>
           </a:p>
         </p:txBody>
       </p:sp>
